--- a/ETL Extract, Transform, Load Natural Disasters.pptx
+++ b/ETL Extract, Transform, Load Natural Disasters.pptx
@@ -17,30 +17,31 @@
     <p:sldId id="262" r:id="rId12"/>
     <p:sldId id="263" r:id="rId13"/>
     <p:sldId id="264" r:id="rId14"/>
+    <p:sldId id="265" r:id="rId15"/>
   </p:sldIdLst>
   <p:sldSz cy="5143500" cx="9144000"/>
   <p:notesSz cx="6858000" cy="9144000"/>
   <p:embeddedFontLst>
     <p:embeddedFont>
       <p:font typeface="Raleway"/>
-      <p:regular r:id="rId15"/>
-      <p:bold r:id="rId16"/>
-      <p:italic r:id="rId17"/>
-      <p:boldItalic r:id="rId18"/>
+      <p:regular r:id="rId16"/>
+      <p:bold r:id="rId17"/>
+      <p:italic r:id="rId18"/>
+      <p:boldItalic r:id="rId19"/>
     </p:embeddedFont>
     <p:embeddedFont>
       <p:font typeface="Roboto"/>
-      <p:regular r:id="rId19"/>
-      <p:bold r:id="rId20"/>
-      <p:italic r:id="rId21"/>
-      <p:boldItalic r:id="rId22"/>
+      <p:regular r:id="rId20"/>
+      <p:bold r:id="rId21"/>
+      <p:italic r:id="rId22"/>
+      <p:boldItalic r:id="rId23"/>
     </p:embeddedFont>
     <p:embeddedFont>
       <p:font typeface="Lato"/>
-      <p:regular r:id="rId23"/>
-      <p:bold r:id="rId24"/>
-      <p:italic r:id="rId25"/>
-      <p:boldItalic r:id="rId26"/>
+      <p:regular r:id="rId24"/>
+      <p:bold r:id="rId25"/>
+      <p:italic r:id="rId26"/>
+      <p:boldItalic r:id="rId27"/>
     </p:embeddedFont>
   </p:embeddedFontLst>
   <p:defaultTextStyle>
@@ -816,6 +817,105 @@
 </p:notes>
 </file>
 
+<file path=ppt/notesSlides/notesSlide10.xml><?xml version="1.0" encoding="utf-8"?>
+<p:notes xmlns:a="http://schemas.openxmlformats.org/drawingml/2006/main" xmlns:r="http://schemas.openxmlformats.org/officeDocument/2006/relationships" xmlns:mc="http://schemas.openxmlformats.org/markup-compatibility/2006" xmlns:mv="urn:schemas-microsoft-com:mac:vml" xmlns:p="http://schemas.openxmlformats.org/presentationml/2006/main" xmlns:c="http://schemas.openxmlformats.org/drawingml/2006/chart" xmlns:dgm="http://schemas.openxmlformats.org/drawingml/2006/diagram" xmlns:o="urn:schemas-microsoft-com:office:office" xmlns:v="urn:schemas-microsoft-com:vml" xmlns:pvml="urn:schemas-microsoft-com:office:powerpoint" xmlns:com="http://schemas.openxmlformats.org/drawingml/2006/compatibility" xmlns:p14="http://schemas.microsoft.com/office/powerpoint/2010/main" xmlns:p15="http://schemas.microsoft.com/office/powerpoint/2012/main" xmlns:ahyp="http://schemas.microsoft.com/office/drawing/2018/hyperlinkcolor" showMasterPhAnim="0" showMasterSp="0">
+  <p:cSld>
+    <p:spTree>
+      <p:nvGrpSpPr>
+        <p:cNvPr id="153" name="Shape 153"/>
+        <p:cNvGrpSpPr/>
+        <p:nvPr/>
+      </p:nvGrpSpPr>
+      <p:grpSpPr>
+        <a:xfrm>
+          <a:off x="0" y="0"/>
+          <a:ext cx="0" cy="0"/>
+          <a:chOff x="0" y="0"/>
+          <a:chExt cx="0" cy="0"/>
+        </a:xfrm>
+      </p:grpSpPr>
+      <p:sp>
+        <p:nvSpPr>
+          <p:cNvPr id="154" name="Google Shape;154;g13651bd187e_0_6:notes"/>
+          <p:cNvSpPr/>
+          <p:nvPr>
+            <p:ph idx="2" type="sldImg"/>
+          </p:nvPr>
+        </p:nvSpPr>
+        <p:spPr>
+          <a:xfrm>
+            <a:off x="381300" y="685800"/>
+            <a:ext cx="6096000" cy="3429000"/>
+          </a:xfrm>
+          <a:custGeom>
+            <a:rect b="b" l="l" r="r" t="t"/>
+            <a:pathLst>
+              <a:path extrusionOk="0" h="120000" w="120000">
+                <a:moveTo>
+                  <a:pt x="0" y="0"/>
+                </a:moveTo>
+                <a:lnTo>
+                  <a:pt x="120000" y="0"/>
+                </a:lnTo>
+                <a:lnTo>
+                  <a:pt x="120000" y="120000"/>
+                </a:lnTo>
+                <a:lnTo>
+                  <a:pt x="0" y="120000"/>
+                </a:lnTo>
+                <a:close/>
+              </a:path>
+            </a:pathLst>
+          </a:custGeom>
+        </p:spPr>
+      </p:sp>
+      <p:sp>
+        <p:nvSpPr>
+          <p:cNvPr id="155" name="Google Shape;155;g13651bd187e_0_6:notes"/>
+          <p:cNvSpPr txBox="1"/>
+          <p:nvPr>
+            <p:ph idx="1" type="body"/>
+          </p:nvPr>
+        </p:nvSpPr>
+        <p:spPr>
+          <a:xfrm>
+            <a:off x="685800" y="4343400"/>
+            <a:ext cx="5486400" cy="4114800"/>
+          </a:xfrm>
+          <a:prstGeom prst="rect">
+            <a:avLst/>
+          </a:prstGeom>
+        </p:spPr>
+        <p:txBody>
+          <a:bodyPr anchorCtr="0" anchor="t" bIns="91425" lIns="91425" spcFirstLastPara="1" rIns="91425" wrap="square" tIns="91425">
+            <a:noAutofit/>
+          </a:bodyPr>
+          <a:lstStyle/>
+          <a:p>
+            <a:pPr indent="0" lvl="0" marL="0" rtl="0" algn="l">
+              <a:spcBef>
+                <a:spcPts val="0"/>
+              </a:spcBef>
+              <a:spcAft>
+                <a:spcPts val="0"/>
+              </a:spcAft>
+              <a:buNone/>
+            </a:pPr>
+            <a:r>
+              <a:t/>
+            </a:r>
+            <a:endParaRPr/>
+          </a:p>
+        </p:txBody>
+      </p:sp>
+    </p:spTree>
+  </p:cSld>
+  <p:clrMapOvr>
+    <a:masterClrMapping/>
+  </p:clrMapOvr>
+</p:notes>
+</file>
+
 <file path=ppt/notesSlides/notesSlide2.xml><?xml version="1.0" encoding="utf-8"?>
 <p:notes xmlns:a="http://schemas.openxmlformats.org/drawingml/2006/main" xmlns:r="http://schemas.openxmlformats.org/officeDocument/2006/relationships" xmlns:mc="http://schemas.openxmlformats.org/markup-compatibility/2006" xmlns:mv="urn:schemas-microsoft-com:mac:vml" xmlns:p="http://schemas.openxmlformats.org/presentationml/2006/main" xmlns:c="http://schemas.openxmlformats.org/drawingml/2006/chart" xmlns:dgm="http://schemas.openxmlformats.org/drawingml/2006/diagram" xmlns:o="urn:schemas-microsoft-com:office:office" xmlns:v="urn:schemas-microsoft-com:vml" xmlns:pvml="urn:schemas-microsoft-com:office:powerpoint" xmlns:com="http://schemas.openxmlformats.org/drawingml/2006/compatibility" xmlns:p14="http://schemas.microsoft.com/office/powerpoint/2010/main" xmlns:p15="http://schemas.microsoft.com/office/powerpoint/2012/main" xmlns:ahyp="http://schemas.microsoft.com/office/drawing/2018/hyperlinkcolor" showMasterPhAnim="0" showMasterSp="0">
   <p:cSld>
@@ -1033,7 +1133,7 @@
       </p:grpSpPr>
       <p:sp>
         <p:nvSpPr>
-          <p:cNvPr id="104" name="Google Shape;104;g13637e87a64_0_8:notes"/>
+          <p:cNvPr id="104" name="Google Shape;104;g13651bd187e_0_30:notes"/>
           <p:cNvSpPr/>
           <p:nvPr>
             <p:ph idx="2" type="sldImg"/>
@@ -1068,7 +1168,7 @@
       </p:sp>
       <p:sp>
         <p:nvSpPr>
-          <p:cNvPr id="105" name="Google Shape;105;g13637e87a64_0_8:notes"/>
+          <p:cNvPr id="105" name="Google Shape;105;g13651bd187e_0_30:notes"/>
           <p:cNvSpPr txBox="1"/>
           <p:nvPr>
             <p:ph idx="1" type="body"/>
@@ -1118,7 +1218,7 @@
   <p:cSld>
     <p:spTree>
       <p:nvGrpSpPr>
-        <p:cNvPr id="112" name="Shape 112"/>
+        <p:cNvPr id="110" name="Shape 110"/>
         <p:cNvGrpSpPr/>
         <p:nvPr/>
       </p:nvGrpSpPr>
@@ -1132,7 +1232,7 @@
       </p:grpSpPr>
       <p:sp>
         <p:nvSpPr>
-          <p:cNvPr id="113" name="Google Shape;113;g1359fe91d55_0_10:notes"/>
+          <p:cNvPr id="111" name="Google Shape;111;g13637e87a64_0_8:notes"/>
           <p:cNvSpPr/>
           <p:nvPr>
             <p:ph idx="2" type="sldImg"/>
@@ -1167,7 +1267,7 @@
       </p:sp>
       <p:sp>
         <p:nvSpPr>
-          <p:cNvPr id="114" name="Google Shape;114;g1359fe91d55_0_10:notes"/>
+          <p:cNvPr id="112" name="Google Shape;112;g13637e87a64_0_8:notes"/>
           <p:cNvSpPr txBox="1"/>
           <p:nvPr>
             <p:ph idx="1" type="body"/>
@@ -1217,7 +1317,7 @@
   <p:cSld>
     <p:spTree>
       <p:nvGrpSpPr>
-        <p:cNvPr id="120" name="Shape 120"/>
+        <p:cNvPr id="118" name="Shape 118"/>
         <p:cNvGrpSpPr/>
         <p:nvPr/>
       </p:nvGrpSpPr>
@@ -1231,7 +1331,7 @@
       </p:grpSpPr>
       <p:sp>
         <p:nvSpPr>
-          <p:cNvPr id="121" name="Google Shape;121;g1359fe91d55_0_20:notes"/>
+          <p:cNvPr id="119" name="Google Shape;119;g1359fe91d55_0_10:notes"/>
           <p:cNvSpPr/>
           <p:nvPr>
             <p:ph idx="2" type="sldImg"/>
@@ -1266,7 +1366,7 @@
       </p:sp>
       <p:sp>
         <p:nvSpPr>
-          <p:cNvPr id="122" name="Google Shape;122;g1359fe91d55_0_20:notes"/>
+          <p:cNvPr id="120" name="Google Shape;120;g1359fe91d55_0_10:notes"/>
           <p:cNvSpPr txBox="1"/>
           <p:nvPr>
             <p:ph idx="1" type="body"/>
@@ -1316,7 +1416,7 @@
   <p:cSld>
     <p:spTree>
       <p:nvGrpSpPr>
-        <p:cNvPr id="129" name="Shape 129"/>
+        <p:cNvPr id="127" name="Shape 127"/>
         <p:cNvGrpSpPr/>
         <p:nvPr/>
       </p:nvGrpSpPr>
@@ -1330,7 +1430,7 @@
       </p:grpSpPr>
       <p:sp>
         <p:nvSpPr>
-          <p:cNvPr id="130" name="Google Shape;130;g1359fe91d55_0_25:notes"/>
+          <p:cNvPr id="128" name="Google Shape;128;g1359fe91d55_0_20:notes"/>
           <p:cNvSpPr/>
           <p:nvPr>
             <p:ph idx="2" type="sldImg"/>
@@ -1365,7 +1465,7 @@
       </p:sp>
       <p:sp>
         <p:nvSpPr>
-          <p:cNvPr id="131" name="Google Shape;131;g1359fe91d55_0_25:notes"/>
+          <p:cNvPr id="129" name="Google Shape;129;g1359fe91d55_0_20:notes"/>
           <p:cNvSpPr txBox="1"/>
           <p:nvPr>
             <p:ph idx="1" type="body"/>
@@ -1415,7 +1515,7 @@
   <p:cSld>
     <p:spTree>
       <p:nvGrpSpPr>
-        <p:cNvPr id="138" name="Shape 138"/>
+        <p:cNvPr id="135" name="Shape 135"/>
         <p:cNvGrpSpPr/>
         <p:nvPr/>
       </p:nvGrpSpPr>
@@ -1429,7 +1529,7 @@
       </p:grpSpPr>
       <p:sp>
         <p:nvSpPr>
-          <p:cNvPr id="139" name="Google Shape;139;g1359fe91d55_0_30:notes"/>
+          <p:cNvPr id="136" name="Google Shape;136;g1359fe91d55_0_25:notes"/>
           <p:cNvSpPr/>
           <p:nvPr>
             <p:ph idx="2" type="sldImg"/>
@@ -1464,7 +1564,7 @@
       </p:sp>
       <p:sp>
         <p:nvSpPr>
-          <p:cNvPr id="140" name="Google Shape;140;g1359fe91d55_0_30:notes"/>
+          <p:cNvPr id="137" name="Google Shape;137;g1359fe91d55_0_25:notes"/>
           <p:cNvSpPr txBox="1"/>
           <p:nvPr>
             <p:ph idx="1" type="body"/>
@@ -1514,7 +1614,7 @@
   <p:cSld>
     <p:spTree>
       <p:nvGrpSpPr>
-        <p:cNvPr id="145" name="Shape 145"/>
+        <p:cNvPr id="143" name="Shape 143"/>
         <p:cNvGrpSpPr/>
         <p:nvPr/>
       </p:nvGrpSpPr>
@@ -1528,7 +1628,7 @@
       </p:grpSpPr>
       <p:sp>
         <p:nvSpPr>
-          <p:cNvPr id="146" name="Google Shape;146;g13651bd187e_0_6:notes"/>
+          <p:cNvPr id="144" name="Google Shape;144;g1359fe91d55_0_30:notes"/>
           <p:cNvSpPr/>
           <p:nvPr>
             <p:ph idx="2" type="sldImg"/>
@@ -1563,7 +1663,7 @@
       </p:sp>
       <p:sp>
         <p:nvSpPr>
-          <p:cNvPr id="147" name="Google Shape;147;g13651bd187e_0_6:notes"/>
+          <p:cNvPr id="145" name="Google Shape;145;g1359fe91d55_0_30:notes"/>
           <p:cNvSpPr txBox="1"/>
           <p:nvPr>
             <p:ph idx="1" type="body"/>
@@ -7923,7 +8023,7 @@
         <p:spPr>
           <a:xfrm>
             <a:off x="729450" y="1322450"/>
-            <a:ext cx="7688100" cy="1664700"/>
+            <a:ext cx="7688100" cy="1415700"/>
           </a:xfrm>
           <a:prstGeom prst="rect">
             <a:avLst/>
@@ -7963,18 +8063,9 @@
               <a:buNone/>
             </a:pPr>
             <a:r>
-              <a:rPr lang="en" sz="3380"/>
-              <a:t>Extract, </a:t>
+              <a:t/>
             </a:r>
-            <a:r>
-              <a:rPr lang="en" sz="3380"/>
-              <a:t>Transform</a:t>
-            </a:r>
-            <a:r>
-              <a:rPr lang="en" sz="3380"/>
-              <a:t>, Load</a:t>
-            </a:r>
-            <a:endParaRPr sz="3380"/>
+            <a:endParaRPr sz="1580"/>
           </a:p>
           <a:p>
             <a:pPr indent="0" lvl="0" marL="0" rtl="0" algn="l">
@@ -8032,6 +8123,71 @@
               <a:t>Orlando Leckie, William Abate, Verenice Vargas</a:t>
             </a:r>
             <a:endParaRPr sz="1332"/>
+          </a:p>
+        </p:txBody>
+      </p:sp>
+    </p:spTree>
+  </p:cSld>
+  <p:clrMapOvr>
+    <a:masterClrMapping/>
+  </p:clrMapOvr>
+</p:sld>
+</file>
+
+<file path=ppt/slides/slide10.xml><?xml version="1.0" encoding="utf-8"?>
+<p:sld xmlns:a="http://schemas.openxmlformats.org/drawingml/2006/main" xmlns:r="http://schemas.openxmlformats.org/officeDocument/2006/relationships" xmlns:mc="http://schemas.openxmlformats.org/markup-compatibility/2006" xmlns:mv="urn:schemas-microsoft-com:mac:vml" xmlns:p="http://schemas.openxmlformats.org/presentationml/2006/main" xmlns:c="http://schemas.openxmlformats.org/drawingml/2006/chart" xmlns:dgm="http://schemas.openxmlformats.org/drawingml/2006/diagram" xmlns:o="urn:schemas-microsoft-com:office:office" xmlns:v="urn:schemas-microsoft-com:vml" xmlns:pvml="urn:schemas-microsoft-com:office:powerpoint" xmlns:com="http://schemas.openxmlformats.org/drawingml/2006/compatibility" xmlns:p14="http://schemas.microsoft.com/office/powerpoint/2010/main" xmlns:p15="http://schemas.microsoft.com/office/powerpoint/2012/main" xmlns:ahyp="http://schemas.microsoft.com/office/drawing/2018/hyperlinkcolor">
+  <p:cSld>
+    <p:spTree>
+      <p:nvGrpSpPr>
+        <p:cNvPr id="156" name="Shape 156"/>
+        <p:cNvGrpSpPr/>
+        <p:nvPr/>
+      </p:nvGrpSpPr>
+      <p:grpSpPr>
+        <a:xfrm>
+          <a:off x="0" y="0"/>
+          <a:ext cx="0" cy="0"/>
+          <a:chOff x="0" y="0"/>
+          <a:chExt cx="0" cy="0"/>
+        </a:xfrm>
+      </p:grpSpPr>
+      <p:sp>
+        <p:nvSpPr>
+          <p:cNvPr id="157" name="Google Shape;157;p22"/>
+          <p:cNvSpPr txBox="1"/>
+          <p:nvPr>
+            <p:ph type="title"/>
+          </p:nvPr>
+        </p:nvSpPr>
+        <p:spPr>
+          <a:xfrm>
+            <a:off x="2997750" y="2127150"/>
+            <a:ext cx="3148500" cy="889200"/>
+          </a:xfrm>
+          <a:prstGeom prst="rect">
+            <a:avLst/>
+          </a:prstGeom>
+        </p:spPr>
+        <p:txBody>
+          <a:bodyPr anchorCtr="0" anchor="t" bIns="91425" lIns="91425" spcFirstLastPara="1" rIns="91425" wrap="square" tIns="91425">
+            <a:noAutofit/>
+          </a:bodyPr>
+          <a:lstStyle/>
+          <a:p>
+            <a:pPr indent="0" lvl="0" marL="0" rtl="0" algn="l">
+              <a:spcBef>
+                <a:spcPts val="0"/>
+              </a:spcBef>
+              <a:spcAft>
+                <a:spcPts val="0"/>
+              </a:spcAft>
+              <a:buNone/>
+            </a:pPr>
+            <a:r>
+              <a:rPr lang="en" sz="5000"/>
+              <a:t>Summary</a:t>
+            </a:r>
+            <a:endParaRPr sz="5000"/>
           </a:p>
         </p:txBody>
       </p:sp>
@@ -8439,7 +8595,7 @@
         <p:spPr>
           <a:xfrm>
             <a:off x="325625" y="4536650"/>
-            <a:ext cx="8520600" cy="446400"/>
+            <a:ext cx="8520600" cy="415500"/>
           </a:xfrm>
           <a:prstGeom prst="rect">
             <a:avLst/>
@@ -8465,11 +8621,11 @@
               <a:buNone/>
             </a:pPr>
             <a:r>
-              <a:rPr lang="en" sz="1000"/>
+              <a:rPr lang="en" sz="800"/>
               <a:t>Sources:</a:t>
             </a:r>
             <a:r>
-              <a:rPr lang="en" sz="700" u="sng">
+              <a:rPr lang="en" sz="800" u="sng">
                 <a:solidFill>
                   <a:schemeClr val="hlink"/>
                 </a:solidFill>
@@ -8478,11 +8634,11 @@
               <a:t>https://www.planetaryhealthalliance.org/natural-disasters</a:t>
             </a:r>
             <a:r>
-              <a:rPr lang="en" sz="700"/>
+              <a:rPr lang="en" sz="800"/>
               <a:t> ; </a:t>
             </a:r>
             <a:r>
-              <a:rPr lang="en" sz="700" u="sng">
+              <a:rPr lang="en" sz="800" u="sng">
                 <a:solidFill>
                   <a:schemeClr val="hlink"/>
                 </a:solidFill>
@@ -8491,10 +8647,10 @@
               <a:t>https://www.samhsa.gov/find-help/disaster-distress-helpline/disaster-types</a:t>
             </a:r>
             <a:r>
-              <a:rPr lang="en" sz="700"/>
+              <a:rPr lang="en" sz="800"/>
               <a:t> ; </a:t>
             </a:r>
-            <a:endParaRPr sz="700"/>
+            <a:endParaRPr sz="800"/>
           </a:p>
           <a:p>
             <a:pPr indent="0" lvl="0" marL="0" rtl="0" algn="l">
@@ -8576,7 +8732,7 @@
         <p:spPr>
           <a:xfrm>
             <a:off x="325625" y="4536650"/>
-            <a:ext cx="8520600" cy="338700"/>
+            <a:ext cx="8520600" cy="307800"/>
           </a:xfrm>
           <a:prstGeom prst="rect">
             <a:avLst/>
@@ -8602,7 +8758,7 @@
               <a:buNone/>
             </a:pPr>
             <a:r>
-              <a:rPr lang="en" sz="1000"/>
+              <a:rPr lang="en" sz="800"/>
               <a:t>Sources: </a:t>
             </a:r>
             <a:r>
@@ -8621,6 +8777,10 @@
                 <a:hlinkClick r:id="rId3"/>
               </a:rPr>
               <a:t>https://qatesttraining.com/wp-content/uploads/2021/11/five-steps-of-etl-process.jpeg</a:t>
+            </a:r>
+            <a:r>
+              <a:rPr lang="en" sz="800"/>
+              <a:t> ; https://wikitable2csv.ggor.de/</a:t>
             </a:r>
             <a:endParaRPr sz="800"/>
           </a:p>
@@ -8661,8 +8821,8 @@
         </p:nvSpPr>
         <p:spPr>
           <a:xfrm>
-            <a:off x="629050" y="621650"/>
-            <a:ext cx="5069400" cy="400200"/>
+            <a:off x="735100" y="555025"/>
+            <a:ext cx="5069400" cy="538800"/>
           </a:xfrm>
           <a:prstGeom prst="rect">
             <a:avLst/>
@@ -8688,19 +8848,19 @@
               <a:buNone/>
             </a:pPr>
             <a:r>
-              <a:rPr lang="en">
-                <a:latin typeface="Lato"/>
-                <a:ea typeface="Lato"/>
-                <a:cs typeface="Lato"/>
-                <a:sym typeface="Lato"/>
+              <a:rPr b="1" lang="en" sz="2300">
+                <a:latin typeface="Raleway"/>
+                <a:ea typeface="Raleway"/>
+                <a:cs typeface="Raleway"/>
+                <a:sym typeface="Raleway"/>
               </a:rPr>
               <a:t>ETL</a:t>
             </a:r>
-            <a:endParaRPr>
-              <a:latin typeface="Lato"/>
-              <a:ea typeface="Lato"/>
-              <a:cs typeface="Lato"/>
-              <a:sym typeface="Lato"/>
+            <a:endParaRPr b="1" sz="2300">
+              <a:latin typeface="Raleway"/>
+              <a:ea typeface="Raleway"/>
+              <a:cs typeface="Raleway"/>
+              <a:sym typeface="Raleway"/>
             </a:endParaRPr>
           </a:p>
         </p:txBody>
@@ -8740,7 +8900,7 @@
         </p:nvSpPr>
         <p:spPr>
           <a:xfrm>
-            <a:off x="677650" y="563775"/>
+            <a:off x="727650" y="554175"/>
             <a:ext cx="7688700" cy="535200"/>
           </a:xfrm>
           <a:prstGeom prst="rect">
@@ -8770,62 +8930,33 @@
           </a:p>
         </p:txBody>
       </p:sp>
-      <p:sp>
-        <p:nvSpPr>
+      <p:pic>
+        <p:nvPicPr>
           <p:cNvPr id="108" name="Google Shape;108;p16"/>
-          <p:cNvSpPr txBox="1"/>
-          <p:nvPr>
-            <p:ph idx="1" type="body"/>
-          </p:nvPr>
-        </p:nvSpPr>
+          <p:cNvPicPr preferRelativeResize="0"/>
+          <p:nvPr/>
+        </p:nvPicPr>
+        <p:blipFill rotWithShape="1">
+          <a:blip r:embed="rId3">
+            <a:alphaModFix/>
+          </a:blip>
+          <a:srcRect b="28112" l="10198" r="18581" t="16602"/>
+          <a:stretch/>
+        </p:blipFill>
         <p:spPr>
           <a:xfrm>
-            <a:off x="325625" y="1272925"/>
-            <a:ext cx="8520600" cy="338700"/>
+            <a:off x="462000" y="1317325"/>
+            <a:ext cx="8220000" cy="3456125"/>
           </a:xfrm>
           <a:prstGeom prst="rect">
             <a:avLst/>
           </a:prstGeom>
+          <a:noFill/>
+          <a:ln>
+            <a:noFill/>
+          </a:ln>
         </p:spPr>
-        <p:txBody>
-          <a:bodyPr anchorCtr="0" anchor="t" bIns="91425" lIns="91425" spcFirstLastPara="1" rIns="91425" wrap="square" tIns="91425">
-            <a:normAutofit fontScale="77500"/>
-          </a:bodyPr>
-          <a:lstStyle/>
-          <a:p>
-            <a:pPr indent="0" lvl="0" marL="0" rtl="0" algn="l">
-              <a:spcBef>
-                <a:spcPts val="0"/>
-              </a:spcBef>
-              <a:spcAft>
-                <a:spcPts val="1200"/>
-              </a:spcAft>
-              <a:buNone/>
-            </a:pPr>
-            <a:r>
-              <a:rPr lang="en"/>
-              <a:t>*</a:t>
-            </a:r>
-            <a:r>
-              <a:rPr b="1" lang="en" sz="1200">
-                <a:solidFill>
-                  <a:schemeClr val="dk1"/>
-                </a:solidFill>
-              </a:rPr>
-              <a:t>Extraction</a:t>
-            </a:r>
-            <a:r>
-              <a:rPr lang="en" sz="1200">
-                <a:solidFill>
-                  <a:schemeClr val="dk1"/>
-                </a:solidFill>
-              </a:rPr>
-              <a:t>: your original data sources and how the data was formatted.</a:t>
-            </a:r>
-            <a:endParaRPr/>
-          </a:p>
-        </p:txBody>
-      </p:sp>
+      </p:pic>
       <p:sp>
         <p:nvSpPr>
           <p:cNvPr id="109" name="Google Shape;109;p16"/>
@@ -8834,8 +8965,8 @@
         </p:nvSpPr>
         <p:spPr>
           <a:xfrm>
-            <a:off x="325625" y="4765250"/>
-            <a:ext cx="8520600" cy="338700"/>
+            <a:off x="311700" y="4804800"/>
+            <a:ext cx="8520600" cy="307800"/>
           </a:xfrm>
           <a:prstGeom prst="rect">
             <a:avLst/>
@@ -8861,16 +8992,127 @@
               <a:buNone/>
             </a:pPr>
             <a:r>
-              <a:rPr lang="en" sz="1000"/>
-              <a:t>Sources:</a:t>
+              <a:rPr lang="en" sz="800"/>
+              <a:t>Sources: </a:t>
             </a:r>
-            <a:endParaRPr sz="700"/>
+            <a:r>
+              <a:rPr lang="en" sz="800"/>
+              <a:t>https://en.wikipedia.org/wiki/List_of_disasters_by_cost</a:t>
+            </a:r>
+            <a:endParaRPr sz="800"/>
+          </a:p>
+        </p:txBody>
+      </p:sp>
+    </p:spTree>
+  </p:cSld>
+  <p:clrMapOvr>
+    <a:masterClrMapping/>
+  </p:clrMapOvr>
+</p:sld>
+</file>
+
+<file path=ppt/slides/slide5.xml><?xml version="1.0" encoding="utf-8"?>
+<p:sld xmlns:a="http://schemas.openxmlformats.org/drawingml/2006/main" xmlns:r="http://schemas.openxmlformats.org/officeDocument/2006/relationships" xmlns:mc="http://schemas.openxmlformats.org/markup-compatibility/2006" xmlns:mv="urn:schemas-microsoft-com:mac:vml" xmlns:p="http://schemas.openxmlformats.org/presentationml/2006/main" xmlns:c="http://schemas.openxmlformats.org/drawingml/2006/chart" xmlns:dgm="http://schemas.openxmlformats.org/drawingml/2006/diagram" xmlns:o="urn:schemas-microsoft-com:office:office" xmlns:v="urn:schemas-microsoft-com:vml" xmlns:pvml="urn:schemas-microsoft-com:office:powerpoint" xmlns:com="http://schemas.openxmlformats.org/drawingml/2006/compatibility" xmlns:p14="http://schemas.microsoft.com/office/powerpoint/2010/main" xmlns:p15="http://schemas.microsoft.com/office/powerpoint/2012/main" xmlns:ahyp="http://schemas.microsoft.com/office/drawing/2018/hyperlinkcolor">
+  <p:cSld>
+    <p:spTree>
+      <p:nvGrpSpPr>
+        <p:cNvPr id="113" name="Shape 113"/>
+        <p:cNvGrpSpPr/>
+        <p:nvPr/>
+      </p:nvGrpSpPr>
+      <p:grpSpPr>
+        <a:xfrm>
+          <a:off x="0" y="0"/>
+          <a:ext cx="0" cy="0"/>
+          <a:chOff x="0" y="0"/>
+          <a:chExt cx="0" cy="0"/>
+        </a:xfrm>
+      </p:grpSpPr>
+      <p:sp>
+        <p:nvSpPr>
+          <p:cNvPr id="114" name="Google Shape;114;p17"/>
+          <p:cNvSpPr txBox="1"/>
+          <p:nvPr>
+            <p:ph type="title"/>
+          </p:nvPr>
+        </p:nvSpPr>
+        <p:spPr>
+          <a:xfrm>
+            <a:off x="727650" y="556375"/>
+            <a:ext cx="7688700" cy="535200"/>
+          </a:xfrm>
+          <a:prstGeom prst="rect">
+            <a:avLst/>
+          </a:prstGeom>
+        </p:spPr>
+        <p:txBody>
+          <a:bodyPr anchorCtr="0" anchor="t" bIns="91425" lIns="91425" spcFirstLastPara="1" rIns="91425" wrap="square" tIns="91425">
+            <a:normAutofit fontScale="90000"/>
+          </a:bodyPr>
+          <a:lstStyle/>
+          <a:p>
+            <a:pPr indent="0" lvl="0" marL="0" rtl="0" algn="l">
+              <a:spcBef>
+                <a:spcPts val="0"/>
+              </a:spcBef>
+              <a:spcAft>
+                <a:spcPts val="0"/>
+              </a:spcAft>
+              <a:buNone/>
+            </a:pPr>
+            <a:r>
+              <a:rPr lang="en"/>
+              <a:t>Extracting</a:t>
+            </a:r>
+            <a:endParaRPr/>
+          </a:p>
+        </p:txBody>
+      </p:sp>
+      <p:sp>
+        <p:nvSpPr>
+          <p:cNvPr id="115" name="Google Shape;115;p17"/>
+          <p:cNvSpPr txBox="1"/>
+          <p:nvPr/>
+        </p:nvSpPr>
+        <p:spPr>
+          <a:xfrm>
+            <a:off x="311700" y="4726825"/>
+            <a:ext cx="8520600" cy="307800"/>
+          </a:xfrm>
+          <a:prstGeom prst="rect">
+            <a:avLst/>
+          </a:prstGeom>
+          <a:noFill/>
+          <a:ln>
+            <a:noFill/>
+          </a:ln>
+        </p:spPr>
+        <p:txBody>
+          <a:bodyPr anchorCtr="0" anchor="t" bIns="91425" lIns="91425" spcFirstLastPara="1" rIns="91425" wrap="square" tIns="91425">
+            <a:spAutoFit/>
+          </a:bodyPr>
+          <a:lstStyle/>
+          <a:p>
+            <a:pPr indent="0" lvl="0" marL="0" rtl="0" algn="l">
+              <a:spcBef>
+                <a:spcPts val="0"/>
+              </a:spcBef>
+              <a:spcAft>
+                <a:spcPts val="0"/>
+              </a:spcAft>
+              <a:buNone/>
+            </a:pPr>
+            <a:r>
+              <a:rPr lang="en" sz="800"/>
+              <a:t>Sources: https://en.wikipedia.org/wiki/List_of_disasters_by_cost</a:t>
+            </a:r>
+            <a:endParaRPr sz="800"/>
           </a:p>
         </p:txBody>
       </p:sp>
       <p:pic>
         <p:nvPicPr>
-          <p:cNvPr id="110" name="Google Shape;110;p16"/>
+          <p:cNvPr id="116" name="Google Shape;116;p17"/>
           <p:cNvPicPr preferRelativeResize="0"/>
           <p:nvPr/>
         </p:nvPicPr>
@@ -8883,8 +9125,8 @@
         </p:blipFill>
         <p:spPr>
           <a:xfrm>
-            <a:off x="1543225" y="1645150"/>
-            <a:ext cx="6057552" cy="1627899"/>
+            <a:off x="1172462" y="1376550"/>
+            <a:ext cx="6699077" cy="1800300"/>
           </a:xfrm>
           <a:prstGeom prst="rect">
             <a:avLst/>
@@ -8897,7 +9139,7 @@
       </p:pic>
       <p:pic>
         <p:nvPicPr>
-          <p:cNvPr id="111" name="Google Shape;111;p16"/>
+          <p:cNvPr id="117" name="Google Shape;117;p17"/>
           <p:cNvPicPr preferRelativeResize="0"/>
           <p:nvPr/>
         </p:nvPicPr>
@@ -8910,8 +9152,8 @@
         </p:blipFill>
         <p:spPr>
           <a:xfrm>
-            <a:off x="1402300" y="3356650"/>
-            <a:ext cx="6239400" cy="1407801"/>
+            <a:off x="1172450" y="3215290"/>
+            <a:ext cx="6699101" cy="1511523"/>
           </a:xfrm>
           <a:prstGeom prst="rect">
             <a:avLst/>
@@ -8930,12 +9172,12 @@
 </p:sld>
 </file>
 
-<file path=ppt/slides/slide5.xml><?xml version="1.0" encoding="utf-8"?>
+<file path=ppt/slides/slide6.xml><?xml version="1.0" encoding="utf-8"?>
 <p:sld xmlns:a="http://schemas.openxmlformats.org/drawingml/2006/main" xmlns:r="http://schemas.openxmlformats.org/officeDocument/2006/relationships" xmlns:mc="http://schemas.openxmlformats.org/markup-compatibility/2006" xmlns:mv="urn:schemas-microsoft-com:mac:vml" xmlns:p="http://schemas.openxmlformats.org/presentationml/2006/main" xmlns:c="http://schemas.openxmlformats.org/drawingml/2006/chart" xmlns:dgm="http://schemas.openxmlformats.org/drawingml/2006/diagram" xmlns:o="urn:schemas-microsoft-com:office:office" xmlns:v="urn:schemas-microsoft-com:vml" xmlns:pvml="urn:schemas-microsoft-com:office:powerpoint" xmlns:com="http://schemas.openxmlformats.org/drawingml/2006/compatibility" xmlns:p14="http://schemas.microsoft.com/office/powerpoint/2010/main" xmlns:p15="http://schemas.microsoft.com/office/powerpoint/2012/main" xmlns:ahyp="http://schemas.microsoft.com/office/drawing/2018/hyperlinkcolor">
   <p:cSld>
     <p:spTree>
       <p:nvGrpSpPr>
-        <p:cNvPr id="115" name="Shape 115"/>
+        <p:cNvPr id="121" name="Shape 121"/>
         <p:cNvGrpSpPr/>
         <p:nvPr/>
       </p:nvGrpSpPr>
@@ -8949,7 +9191,7 @@
       </p:grpSpPr>
       <p:sp>
         <p:nvSpPr>
-          <p:cNvPr id="116" name="Google Shape;116;p17"/>
+          <p:cNvPr id="122" name="Google Shape;122;p18"/>
           <p:cNvSpPr txBox="1"/>
           <p:nvPr>
             <p:ph type="title"/>
@@ -8957,7 +9199,7 @@
         </p:nvSpPr>
         <p:spPr>
           <a:xfrm>
-            <a:off x="503250" y="563775"/>
+            <a:off x="727650" y="556375"/>
             <a:ext cx="7688700" cy="535200"/>
           </a:xfrm>
           <a:prstGeom prst="rect">
@@ -8981,7 +9223,7 @@
             </a:pPr>
             <a:r>
               <a:rPr lang="en"/>
-              <a:t>Transforming process</a:t>
+              <a:t>Transforming</a:t>
             </a:r>
             <a:endParaRPr/>
           </a:p>
@@ -8989,7 +9231,7 @@
       </p:sp>
       <p:sp>
         <p:nvSpPr>
-          <p:cNvPr id="117" name="Google Shape;117;p17"/>
+          <p:cNvPr id="123" name="Google Shape;123;p18"/>
           <p:cNvSpPr txBox="1"/>
           <p:nvPr>
             <p:ph idx="1" type="body"/>
@@ -8998,7 +9240,7 @@
         <p:spPr>
           <a:xfrm>
             <a:off x="729450" y="1361725"/>
-            <a:ext cx="7688700" cy="2978400"/>
+            <a:ext cx="6071700" cy="2978400"/>
           </a:xfrm>
           <a:prstGeom prst="rect">
             <a:avLst/>
@@ -9020,23 +9262,7 @@
               <a:buNone/>
             </a:pPr>
             <a:r>
-              <a:rPr lang="en"/>
-              <a:t>*</a:t>
-            </a:r>
-            <a:r>
-              <a:rPr lang="en" sz="1350">
-                <a:solidFill>
-                  <a:schemeClr val="dk1"/>
-                </a:solidFill>
-                <a:highlight>
-                  <a:srgbClr val="FFFFFF"/>
-                </a:highlight>
-                <a:latin typeface="Roboto"/>
-                <a:ea typeface="Roboto"/>
-                <a:cs typeface="Roboto"/>
-                <a:sym typeface="Roboto"/>
-              </a:rPr>
-              <a:t>Transform: what data cleaning and transformation was required</a:t>
+              <a:t/>
             </a:r>
             <a:endParaRPr sz="1350">
               <a:solidFill>
@@ -9077,6 +9303,49 @@
               <a:t>			</a:t>
             </a:r>
             <a:r>
+              <a:rPr b="1" lang="en" sz="1200">
+                <a:solidFill>
+                  <a:srgbClr val="24292F"/>
+                </a:solidFill>
+                <a:highlight>
+                  <a:srgbClr val="FFFFFF"/>
+                </a:highlight>
+                <a:latin typeface="Arial"/>
+                <a:ea typeface="Arial"/>
+                <a:cs typeface="Arial"/>
+                <a:sym typeface="Arial"/>
+              </a:rPr>
+              <a:t>In order to transform the data, we performed the following:</a:t>
+            </a:r>
+            <a:endParaRPr b="1" sz="1200">
+              <a:solidFill>
+                <a:srgbClr val="24292F"/>
+              </a:solidFill>
+              <a:highlight>
+                <a:srgbClr val="FFFFFF"/>
+              </a:highlight>
+              <a:latin typeface="Arial"/>
+              <a:ea typeface="Arial"/>
+              <a:cs typeface="Arial"/>
+              <a:sym typeface="Arial"/>
+            </a:endParaRPr>
+          </a:p>
+          <a:p>
+            <a:pPr indent="-304800" lvl="0" marL="1371600" rtl="0" algn="l">
+              <a:spcBef>
+                <a:spcPts val="1200"/>
+              </a:spcBef>
+              <a:spcAft>
+                <a:spcPts val="0"/>
+              </a:spcAft>
+              <a:buClr>
+                <a:srgbClr val="24292F"/>
+              </a:buClr>
+              <a:buSzPts val="1200"/>
+              <a:buFont typeface="Arial"/>
+              <a:buChar char="❖"/>
+            </a:pPr>
+            <a:r>
               <a:rPr lang="en" sz="1200">
                 <a:solidFill>
                   <a:srgbClr val="24292F"/>
@@ -9089,7 +9358,7 @@
                 <a:cs typeface="Arial"/>
                 <a:sym typeface="Arial"/>
               </a:rPr>
-              <a:t>In order to transform the public data and use it in our study we performed the following:</a:t>
+              <a:t>Used Pandas functions in Jupyter Notebook to load two CSV files</a:t>
             </a:r>
             <a:endParaRPr sz="1200">
               <a:solidFill>
@@ -9107,7 +9376,7 @@
           <a:p>
             <a:pPr indent="-304800" lvl="0" marL="1371600" rtl="0" algn="l">
               <a:spcBef>
-                <a:spcPts val="1200"/>
+                <a:spcPts val="0"/>
               </a:spcBef>
               <a:spcAft>
                 <a:spcPts val="0"/>
@@ -9117,50 +9386,7 @@
               </a:buClr>
               <a:buSzPts val="1200"/>
               <a:buFont typeface="Arial"/>
-              <a:buChar char="●"/>
-            </a:pPr>
-            <a:r>
-              <a:rPr lang="en" sz="1200">
-                <a:solidFill>
-                  <a:srgbClr val="24292F"/>
-                </a:solidFill>
-                <a:highlight>
-                  <a:srgbClr val="FFFFFF"/>
-                </a:highlight>
-                <a:latin typeface="Arial"/>
-                <a:ea typeface="Arial"/>
-                <a:cs typeface="Arial"/>
-                <a:sym typeface="Arial"/>
-              </a:rPr>
-              <a:t>Used Pandas functions in Jupyter Notebook to load two CSV files.</a:t>
-            </a:r>
-            <a:endParaRPr sz="1200">
-              <a:solidFill>
-                <a:srgbClr val="24292F"/>
-              </a:solidFill>
-              <a:highlight>
-                <a:srgbClr val="FFFFFF"/>
-              </a:highlight>
-              <a:latin typeface="Arial"/>
-              <a:ea typeface="Arial"/>
-              <a:cs typeface="Arial"/>
-              <a:sym typeface="Arial"/>
-            </a:endParaRPr>
-          </a:p>
-          <a:p>
-            <a:pPr indent="-304800" lvl="0" marL="1371600" rtl="0" algn="l">
-              <a:spcBef>
-                <a:spcPts val="0"/>
-              </a:spcBef>
-              <a:spcAft>
-                <a:spcPts val="0"/>
-              </a:spcAft>
-              <a:buClr>
-                <a:srgbClr val="24292F"/>
-              </a:buClr>
-              <a:buSzPts val="1200"/>
-              <a:buFont typeface="Arial"/>
-              <a:buChar char="●"/>
+              <a:buChar char="❖"/>
             </a:pPr>
             <a:r>
               <a:rPr lang="en" sz="1200">
@@ -9203,7 +9429,7 @@
               </a:buClr>
               <a:buSzPts val="1200"/>
               <a:buFont typeface="Arial"/>
-              <a:buChar char="●"/>
+              <a:buChar char="❖"/>
             </a:pPr>
             <a:r>
               <a:rPr lang="en" sz="1200">
@@ -9246,7 +9472,7 @@
               </a:buClr>
               <a:buSzPts val="1200"/>
               <a:buFont typeface="Arial"/>
-              <a:buChar char="●"/>
+              <a:buChar char="❖"/>
             </a:pPr>
             <a:r>
               <a:rPr lang="en" sz="1200">
@@ -9261,7 +9487,76 @@
                 <a:cs typeface="Arial"/>
                 <a:sym typeface="Arial"/>
               </a:rPr>
-              <a:t>Created queries to address our hypothesis by grouping the data by state and getting the sum of the number of people killed and the number of people injured. We sorted the data in descending order so we could visually see which state had the highest numbers.</a:t>
+              <a:t>Focused on natural disasters in California and Texas only</a:t>
+            </a:r>
+            <a:endParaRPr sz="1200">
+              <a:solidFill>
+                <a:srgbClr val="24292F"/>
+              </a:solidFill>
+              <a:highlight>
+                <a:srgbClr val="FFFFFF"/>
+              </a:highlight>
+              <a:latin typeface="Arial"/>
+              <a:ea typeface="Arial"/>
+              <a:cs typeface="Arial"/>
+              <a:sym typeface="Arial"/>
+            </a:endParaRPr>
+          </a:p>
+          <a:p>
+            <a:pPr indent="-304800" lvl="0" marL="1371600" rtl="0" algn="l">
+              <a:spcBef>
+                <a:spcPts val="0"/>
+              </a:spcBef>
+              <a:spcAft>
+                <a:spcPts val="0"/>
+              </a:spcAft>
+              <a:buClr>
+                <a:srgbClr val="24292F"/>
+              </a:buClr>
+              <a:buSzPts val="1200"/>
+              <a:buFont typeface="Arial"/>
+              <a:buChar char="❖"/>
+            </a:pPr>
+            <a:r>
+              <a:rPr lang="en" sz="1200">
+                <a:solidFill>
+                  <a:srgbClr val="24292F"/>
+                </a:solidFill>
+                <a:highlight>
+                  <a:srgbClr val="FFFFFF"/>
+                </a:highlight>
+                <a:latin typeface="Arial"/>
+                <a:ea typeface="Arial"/>
+                <a:cs typeface="Arial"/>
+                <a:sym typeface="Arial"/>
+              </a:rPr>
+              <a:t>Reset the index</a:t>
+            </a:r>
+            <a:endParaRPr sz="1200">
+              <a:solidFill>
+                <a:srgbClr val="24292F"/>
+              </a:solidFill>
+              <a:highlight>
+                <a:srgbClr val="FFFFFF"/>
+              </a:highlight>
+              <a:latin typeface="Arial"/>
+              <a:ea typeface="Arial"/>
+              <a:cs typeface="Arial"/>
+              <a:sym typeface="Arial"/>
+            </a:endParaRPr>
+          </a:p>
+          <a:p>
+            <a:pPr indent="0" lvl="0" marL="0" rtl="0" algn="l">
+              <a:spcBef>
+                <a:spcPts val="1200"/>
+              </a:spcBef>
+              <a:spcAft>
+                <a:spcPts val="0"/>
+              </a:spcAft>
+              <a:buNone/>
+            </a:pPr>
+            <a:r>
+              <a:t/>
             </a:r>
             <a:endParaRPr sz="1200">
               <a:solidFill>
@@ -9306,7 +9601,7 @@
       </p:sp>
       <p:pic>
         <p:nvPicPr>
-          <p:cNvPr id="118" name="Google Shape;118;p17"/>
+          <p:cNvPr id="124" name="Google Shape;124;p18"/>
           <p:cNvPicPr preferRelativeResize="0"/>
           <p:nvPr/>
         </p:nvPicPr>
@@ -9314,13 +9609,41 @@
           <a:blip r:embed="rId3">
             <a:alphaModFix/>
           </a:blip>
-          <a:srcRect b="17003" l="26247" r="58451" t="41797"/>
+          <a:srcRect b="18088" l="26247" r="58451" t="41796"/>
           <a:stretch/>
         </p:blipFill>
         <p:spPr>
           <a:xfrm>
-            <a:off x="149750" y="1761675"/>
-            <a:ext cx="1670827" cy="2530750"/>
+            <a:off x="149750" y="1672850"/>
+            <a:ext cx="1670827" cy="2464150"/>
+          </a:xfrm>
+          <a:prstGeom prst="rect">
+            <a:avLst/>
+          </a:prstGeom>
+          <a:noFill/>
+          <a:ln>
+            <a:noFill/>
+          </a:ln>
+        </p:spPr>
+      </p:pic>
+      <p:pic>
+        <p:nvPicPr>
+          <p:cNvPr id="125" name="Google Shape;125;p18"/>
+          <p:cNvPicPr preferRelativeResize="0"/>
+          <p:nvPr/>
+        </p:nvPicPr>
+        <p:blipFill>
+          <a:blip r:embed="rId4">
+            <a:alphaModFix/>
+          </a:blip>
+          <a:stretch>
+            <a:fillRect/>
+          </a:stretch>
+        </p:blipFill>
+        <p:spPr>
+          <a:xfrm>
+            <a:off x="6997300" y="3056500"/>
+            <a:ext cx="1875875" cy="1875875"/>
           </a:xfrm>
           <a:prstGeom prst="rect">
             <a:avLst/>
@@ -9333,14 +9656,14 @@
       </p:pic>
       <p:sp>
         <p:nvSpPr>
-          <p:cNvPr id="119" name="Google Shape;119;p17"/>
+          <p:cNvPr id="126" name="Google Shape;126;p18"/>
           <p:cNvSpPr txBox="1"/>
           <p:nvPr/>
         </p:nvSpPr>
         <p:spPr>
           <a:xfrm>
             <a:off x="325625" y="4536650"/>
-            <a:ext cx="8520600" cy="338700"/>
+            <a:ext cx="8520600" cy="307800"/>
           </a:xfrm>
           <a:prstGeom prst="rect">
             <a:avLst/>
@@ -9366,10 +9689,14 @@
               <a:buNone/>
             </a:pPr>
             <a:r>
-              <a:rPr lang="en" sz="1000"/>
-              <a:t>Sources:</a:t>
+              <a:rPr lang="en" sz="800"/>
+              <a:t>Sources: (Photo) </a:t>
             </a:r>
-            <a:endParaRPr sz="1000"/>
+            <a:r>
+              <a:rPr lang="en" sz="800"/>
+              <a:t>http://clipart-library.com/free/gear-clipart-transparent.html</a:t>
+            </a:r>
+            <a:endParaRPr sz="800"/>
           </a:p>
         </p:txBody>
       </p:sp>
@@ -9381,12 +9708,12 @@
 </p:sld>
 </file>
 
-<file path=ppt/slides/slide6.xml><?xml version="1.0" encoding="utf-8"?>
+<file path=ppt/slides/slide7.xml><?xml version="1.0" encoding="utf-8"?>
 <p:sld xmlns:a="http://schemas.openxmlformats.org/drawingml/2006/main" xmlns:r="http://schemas.openxmlformats.org/officeDocument/2006/relationships" xmlns:mc="http://schemas.openxmlformats.org/markup-compatibility/2006" xmlns:mv="urn:schemas-microsoft-com:mac:vml" xmlns:p="http://schemas.openxmlformats.org/presentationml/2006/main" xmlns:c="http://schemas.openxmlformats.org/drawingml/2006/chart" xmlns:dgm="http://schemas.openxmlformats.org/drawingml/2006/diagram" xmlns:o="urn:schemas-microsoft-com:office:office" xmlns:v="urn:schemas-microsoft-com:vml" xmlns:pvml="urn:schemas-microsoft-com:office:powerpoint" xmlns:com="http://schemas.openxmlformats.org/drawingml/2006/compatibility" xmlns:p14="http://schemas.microsoft.com/office/powerpoint/2010/main" xmlns:p15="http://schemas.microsoft.com/office/powerpoint/2012/main" xmlns:ahyp="http://schemas.microsoft.com/office/drawing/2018/hyperlinkcolor">
   <p:cSld>
     <p:spTree>
       <p:nvGrpSpPr>
-        <p:cNvPr id="123" name="Shape 123"/>
+        <p:cNvPr id="130" name="Shape 130"/>
         <p:cNvGrpSpPr/>
         <p:nvPr/>
       </p:nvGrpSpPr>
@@ -9400,7 +9727,7 @@
       </p:grpSpPr>
       <p:sp>
         <p:nvSpPr>
-          <p:cNvPr id="124" name="Google Shape;124;p18"/>
+          <p:cNvPr id="131" name="Google Shape;131;p19"/>
           <p:cNvSpPr txBox="1"/>
           <p:nvPr>
             <p:ph type="title"/>
@@ -9440,7 +9767,7 @@
       </p:sp>
       <p:sp>
         <p:nvSpPr>
-          <p:cNvPr id="125" name="Google Shape;125;p18"/>
+          <p:cNvPr id="132" name="Google Shape;132;p19"/>
           <p:cNvSpPr txBox="1"/>
           <p:nvPr>
             <p:ph idx="1" type="body"/>
@@ -9466,54 +9793,45 @@
                 <a:spcPts val="0"/>
               </a:spcBef>
               <a:spcAft>
-                <a:spcPts val="1200"/>
-              </a:spcAft>
-              <a:buNone/>
-            </a:pPr>
-            <a:r>
-              <a:t/>
-            </a:r>
-            <a:endParaRPr/>
-          </a:p>
-        </p:txBody>
-      </p:sp>
-      <p:sp>
-        <p:nvSpPr>
-          <p:cNvPr id="126" name="Google Shape;126;p18"/>
-          <p:cNvSpPr txBox="1"/>
-          <p:nvPr/>
-        </p:nvSpPr>
-        <p:spPr>
-          <a:xfrm>
-            <a:off x="325625" y="4536650"/>
-            <a:ext cx="8520600" cy="338700"/>
-          </a:xfrm>
-          <a:prstGeom prst="rect">
-            <a:avLst/>
-          </a:prstGeom>
-          <a:noFill/>
-          <a:ln>
-            <a:noFill/>
-          </a:ln>
-        </p:spPr>
-        <p:txBody>
-          <a:bodyPr anchorCtr="0" anchor="t" bIns="91425" lIns="91425" spcFirstLastPara="1" rIns="91425" wrap="square" tIns="91425">
-            <a:spAutoFit/>
-          </a:bodyPr>
-          <a:lstStyle/>
-          <a:p>
-            <a:pPr indent="0" lvl="0" marL="0" rtl="0" algn="l">
-              <a:spcBef>
-                <a:spcPts val="0"/>
-              </a:spcBef>
-              <a:spcAft>
                 <a:spcPts val="0"/>
               </a:spcAft>
               <a:buNone/>
             </a:pPr>
             <a:r>
               <a:rPr lang="en" sz="1000"/>
-              <a:t>Sources:</a:t>
+              <a:t>Astype float</a:t>
+            </a:r>
+            <a:endParaRPr sz="1000"/>
+          </a:p>
+          <a:p>
+            <a:pPr indent="0" lvl="0" marL="0" rtl="0" algn="l">
+              <a:spcBef>
+                <a:spcPts val="1200"/>
+              </a:spcBef>
+              <a:spcAft>
+                <a:spcPts val="0"/>
+              </a:spcAft>
+              <a:buNone/>
+            </a:pPr>
+            <a:r>
+              <a:rPr lang="en" sz="1000"/>
+              <a:t>Groupby year + sum</a:t>
+            </a:r>
+            <a:endParaRPr sz="1000"/>
+          </a:p>
+          <a:p>
+            <a:pPr indent="0" lvl="0" marL="0" rtl="0" algn="l">
+              <a:spcBef>
+                <a:spcPts val="1200"/>
+              </a:spcBef>
+              <a:spcAft>
+                <a:spcPts val="1200"/>
+              </a:spcAft>
+              <a:buNone/>
+            </a:pPr>
+            <a:r>
+              <a:rPr lang="en" sz="1000"/>
+              <a:t>Matplotlib for bar graphs</a:t>
             </a:r>
             <a:endParaRPr sz="1000"/>
           </a:p>
@@ -9521,7 +9839,7 @@
       </p:sp>
       <p:pic>
         <p:nvPicPr>
-          <p:cNvPr id="127" name="Google Shape;127;p18"/>
+          <p:cNvPr id="133" name="Google Shape;133;p19"/>
           <p:cNvPicPr preferRelativeResize="0"/>
           <p:nvPr/>
         </p:nvPicPr>
@@ -9548,7 +9866,7 @@
       </p:pic>
       <p:pic>
         <p:nvPicPr>
-          <p:cNvPr id="128" name="Google Shape;128;p18"/>
+          <p:cNvPr id="134" name="Google Shape;134;p19"/>
           <p:cNvPicPr preferRelativeResize="0"/>
           <p:nvPr/>
         </p:nvPicPr>
@@ -9581,12 +9899,12 @@
 </p:sld>
 </file>
 
-<file path=ppt/slides/slide7.xml><?xml version="1.0" encoding="utf-8"?>
+<file path=ppt/slides/slide8.xml><?xml version="1.0" encoding="utf-8"?>
 <p:sld xmlns:a="http://schemas.openxmlformats.org/drawingml/2006/main" xmlns:r="http://schemas.openxmlformats.org/officeDocument/2006/relationships" xmlns:mc="http://schemas.openxmlformats.org/markup-compatibility/2006" xmlns:mv="urn:schemas-microsoft-com:mac:vml" xmlns:p="http://schemas.openxmlformats.org/presentationml/2006/main" xmlns:c="http://schemas.openxmlformats.org/drawingml/2006/chart" xmlns:dgm="http://schemas.openxmlformats.org/drawingml/2006/diagram" xmlns:o="urn:schemas-microsoft-com:office:office" xmlns:v="urn:schemas-microsoft-com:vml" xmlns:pvml="urn:schemas-microsoft-com:office:powerpoint" xmlns:com="http://schemas.openxmlformats.org/drawingml/2006/compatibility" xmlns:p14="http://schemas.microsoft.com/office/powerpoint/2010/main" xmlns:p15="http://schemas.microsoft.com/office/powerpoint/2012/main" xmlns:ahyp="http://schemas.microsoft.com/office/drawing/2018/hyperlinkcolor">
   <p:cSld>
     <p:spTree>
       <p:nvGrpSpPr>
-        <p:cNvPr id="132" name="Shape 132"/>
+        <p:cNvPr id="138" name="Shape 138"/>
         <p:cNvGrpSpPr/>
         <p:nvPr/>
       </p:nvGrpSpPr>
@@ -9600,7 +9918,7 @@
       </p:grpSpPr>
       <p:sp>
         <p:nvSpPr>
-          <p:cNvPr id="133" name="Google Shape;133;p19"/>
+          <p:cNvPr id="139" name="Google Shape;139;p20"/>
           <p:cNvSpPr txBox="1"/>
           <p:nvPr>
             <p:ph type="title"/>
@@ -9608,7 +9926,7 @@
         </p:nvSpPr>
         <p:spPr>
           <a:xfrm>
-            <a:off x="741575" y="548975"/>
+            <a:off x="729450" y="571175"/>
             <a:ext cx="7688700" cy="535200"/>
           </a:xfrm>
           <a:prstGeom prst="rect">
@@ -9640,7 +9958,7 @@
       </p:sp>
       <p:sp>
         <p:nvSpPr>
-          <p:cNvPr id="134" name="Google Shape;134;p19"/>
+          <p:cNvPr id="140" name="Google Shape;140;p20"/>
           <p:cNvSpPr txBox="1"/>
           <p:nvPr>
             <p:ph idx="1" type="body"/>
@@ -9666,54 +9984,45 @@
                 <a:spcPts val="0"/>
               </a:spcBef>
               <a:spcAft>
-                <a:spcPts val="1200"/>
-              </a:spcAft>
-              <a:buNone/>
-            </a:pPr>
-            <a:r>
-              <a:t/>
-            </a:r>
-            <a:endParaRPr/>
-          </a:p>
-        </p:txBody>
-      </p:sp>
-      <p:sp>
-        <p:nvSpPr>
-          <p:cNvPr id="135" name="Google Shape;135;p19"/>
-          <p:cNvSpPr txBox="1"/>
-          <p:nvPr/>
-        </p:nvSpPr>
-        <p:spPr>
-          <a:xfrm>
-            <a:off x="325625" y="4536650"/>
-            <a:ext cx="8520600" cy="338700"/>
-          </a:xfrm>
-          <a:prstGeom prst="rect">
-            <a:avLst/>
-          </a:prstGeom>
-          <a:noFill/>
-          <a:ln>
-            <a:noFill/>
-          </a:ln>
-        </p:spPr>
-        <p:txBody>
-          <a:bodyPr anchorCtr="0" anchor="t" bIns="91425" lIns="91425" spcFirstLastPara="1" rIns="91425" wrap="square" tIns="91425">
-            <a:spAutoFit/>
-          </a:bodyPr>
-          <a:lstStyle/>
-          <a:p>
-            <a:pPr indent="0" lvl="0" marL="0" rtl="0" algn="l">
-              <a:spcBef>
-                <a:spcPts val="0"/>
-              </a:spcBef>
-              <a:spcAft>
                 <a:spcPts val="0"/>
               </a:spcAft>
               <a:buNone/>
             </a:pPr>
             <a:r>
               <a:rPr lang="en" sz="1000"/>
-              <a:t>Sources:</a:t>
+              <a:t>Astype string</a:t>
+            </a:r>
+            <a:endParaRPr sz="1000"/>
+          </a:p>
+          <a:p>
+            <a:pPr indent="0" lvl="0" marL="0" rtl="0" algn="l">
+              <a:spcBef>
+                <a:spcPts val="1200"/>
+              </a:spcBef>
+              <a:spcAft>
+                <a:spcPts val="0"/>
+              </a:spcAft>
+              <a:buNone/>
+            </a:pPr>
+            <a:r>
+              <a:rPr lang="en" sz="1000"/>
+              <a:t>Groupby year</a:t>
+            </a:r>
+            <a:endParaRPr sz="1000"/>
+          </a:p>
+          <a:p>
+            <a:pPr indent="0" lvl="0" marL="0" rtl="0" algn="l">
+              <a:spcBef>
+                <a:spcPts val="1200"/>
+              </a:spcBef>
+              <a:spcAft>
+                <a:spcPts val="1200"/>
+              </a:spcAft>
+              <a:buNone/>
+            </a:pPr>
+            <a:r>
+              <a:rPr lang="en" sz="1000"/>
+              <a:t>Matplotlib for line graphs</a:t>
             </a:r>
             <a:endParaRPr sz="1000"/>
           </a:p>
@@ -9721,7 +10030,7 @@
       </p:sp>
       <p:pic>
         <p:nvPicPr>
-          <p:cNvPr id="136" name="Google Shape;136;p19"/>
+          <p:cNvPr id="141" name="Google Shape;141;p20"/>
           <p:cNvPicPr preferRelativeResize="0"/>
           <p:nvPr/>
         </p:nvPicPr>
@@ -9734,7 +10043,7 @@
         </p:blipFill>
         <p:spPr>
           <a:xfrm>
-            <a:off x="729450" y="1957000"/>
+            <a:off x="729450" y="2414200"/>
             <a:ext cx="3485750" cy="2383051"/>
           </a:xfrm>
           <a:prstGeom prst="rect">
@@ -9748,7 +10057,7 @@
       </p:pic>
       <p:pic>
         <p:nvPicPr>
-          <p:cNvPr id="137" name="Google Shape;137;p19"/>
+          <p:cNvPr id="142" name="Google Shape;142;p20"/>
           <p:cNvPicPr preferRelativeResize="0"/>
           <p:nvPr/>
         </p:nvPicPr>
@@ -9761,7 +10070,7 @@
         </p:blipFill>
         <p:spPr>
           <a:xfrm>
-            <a:off x="4665975" y="1957000"/>
+            <a:off x="4665975" y="2414200"/>
             <a:ext cx="3485750" cy="2383051"/>
           </a:xfrm>
           <a:prstGeom prst="rect">
@@ -9781,12 +10090,12 @@
 </p:sld>
 </file>
 
-<file path=ppt/slides/slide8.xml><?xml version="1.0" encoding="utf-8"?>
+<file path=ppt/slides/slide9.xml><?xml version="1.0" encoding="utf-8"?>
 <p:sld xmlns:a="http://schemas.openxmlformats.org/drawingml/2006/main" xmlns:r="http://schemas.openxmlformats.org/officeDocument/2006/relationships" xmlns:mc="http://schemas.openxmlformats.org/markup-compatibility/2006" xmlns:mv="urn:schemas-microsoft-com:mac:vml" xmlns:p="http://schemas.openxmlformats.org/presentationml/2006/main" xmlns:c="http://schemas.openxmlformats.org/drawingml/2006/chart" xmlns:dgm="http://schemas.openxmlformats.org/drawingml/2006/diagram" xmlns:o="urn:schemas-microsoft-com:office:office" xmlns:v="urn:schemas-microsoft-com:vml" xmlns:pvml="urn:schemas-microsoft-com:office:powerpoint" xmlns:com="http://schemas.openxmlformats.org/drawingml/2006/compatibility" xmlns:p14="http://schemas.microsoft.com/office/powerpoint/2010/main" xmlns:p15="http://schemas.microsoft.com/office/powerpoint/2012/main" xmlns:ahyp="http://schemas.microsoft.com/office/drawing/2018/hyperlinkcolor">
   <p:cSld>
     <p:spTree>
       <p:nvGrpSpPr>
-        <p:cNvPr id="141" name="Shape 141"/>
+        <p:cNvPr id="146" name="Shape 146"/>
         <p:cNvGrpSpPr/>
         <p:nvPr/>
       </p:nvGrpSpPr>
@@ -9800,7 +10109,7 @@
       </p:grpSpPr>
       <p:sp>
         <p:nvSpPr>
-          <p:cNvPr id="142" name="Google Shape;142;p20"/>
+          <p:cNvPr id="147" name="Google Shape;147;p21"/>
           <p:cNvSpPr txBox="1"/>
           <p:nvPr>
             <p:ph type="title"/>
@@ -9808,7 +10117,7 @@
         </p:nvSpPr>
         <p:spPr>
           <a:xfrm>
-            <a:off x="727650" y="660000"/>
+            <a:off x="727650" y="563750"/>
             <a:ext cx="7688700" cy="535200"/>
           </a:xfrm>
           <a:prstGeom prst="rect">
@@ -9832,136 +10141,131 @@
             </a:pPr>
             <a:r>
               <a:rPr lang="en"/>
-              <a:t>Loading process</a:t>
+              <a:t>Loading Process</a:t>
             </a:r>
             <a:endParaRPr/>
           </a:p>
         </p:txBody>
       </p:sp>
-      <p:sp>
-        <p:nvSpPr>
-          <p:cNvPr id="143" name="Google Shape;143;p20"/>
-          <p:cNvSpPr txBox="1"/>
-          <p:nvPr>
-            <p:ph idx="1" type="body"/>
-          </p:nvPr>
-        </p:nvSpPr>
+      <p:pic>
+        <p:nvPicPr>
+          <p:cNvPr id="148" name="Google Shape;148;p21"/>
+          <p:cNvPicPr preferRelativeResize="0"/>
+          <p:nvPr/>
+        </p:nvPicPr>
+        <p:blipFill rotWithShape="1">
+          <a:blip r:embed="rId3">
+            <a:alphaModFix/>
+          </a:blip>
+          <a:srcRect b="10620" l="17487" r="56608" t="61104"/>
+          <a:stretch/>
+        </p:blipFill>
         <p:spPr>
           <a:xfrm>
-            <a:off x="729450" y="2078875"/>
-            <a:ext cx="7688700" cy="2261100"/>
+            <a:off x="727650" y="1993600"/>
+            <a:ext cx="2950925" cy="1744644"/>
           </a:xfrm>
           <a:prstGeom prst="rect">
             <a:avLst/>
           </a:prstGeom>
+          <a:noFill/>
+          <a:ln>
+            <a:noFill/>
+          </a:ln>
         </p:spPr>
-        <p:txBody>
-          <a:bodyPr anchorCtr="0" anchor="t" bIns="91425" lIns="91425" spcFirstLastPara="1" rIns="91425" wrap="square" tIns="91425">
-            <a:normAutofit/>
-          </a:bodyPr>
-          <a:lstStyle/>
-          <a:p>
-            <a:pPr indent="0" lvl="0" marL="0" rtl="0" algn="l">
-              <a:spcBef>
-                <a:spcPts val="0"/>
-              </a:spcBef>
-              <a:spcAft>
-                <a:spcPts val="0"/>
-              </a:spcAft>
-              <a:buNone/>
-            </a:pPr>
-            <a:r>
-              <a:rPr b="1" lang="en" sz="1200">
-                <a:solidFill>
-                  <a:schemeClr val="dk1"/>
-                </a:solidFill>
-              </a:rPr>
-              <a:t>*Loading</a:t>
-            </a:r>
-            <a:r>
-              <a:rPr lang="en" sz="1200">
-                <a:solidFill>
-                  <a:schemeClr val="dk1"/>
-                </a:solidFill>
-              </a:rPr>
-              <a:t>: the final database, tables/collections, why this was chosen</a:t>
-            </a:r>
-            <a:endParaRPr/>
-          </a:p>
-          <a:p>
-            <a:pPr indent="0" lvl="0" marL="0" rtl="0" algn="l">
-              <a:spcBef>
-                <a:spcPts val="1200"/>
-              </a:spcBef>
-              <a:spcAft>
-                <a:spcPts val="0"/>
-              </a:spcAft>
-              <a:buNone/>
-            </a:pPr>
-            <a:r>
-              <a:rPr lang="en"/>
-              <a:t>Uploading commits to github through command prompt</a:t>
-            </a:r>
-            <a:endParaRPr/>
-          </a:p>
-          <a:p>
-            <a:pPr indent="0" lvl="0" marL="0" rtl="0" algn="l">
-              <a:spcBef>
-                <a:spcPts val="1200"/>
-              </a:spcBef>
-              <a:spcAft>
-                <a:spcPts val="0"/>
-              </a:spcAft>
-              <a:buNone/>
-            </a:pPr>
-            <a:r>
-              <a:t/>
-            </a:r>
-            <a:endParaRPr/>
-          </a:p>
-          <a:p>
-            <a:pPr indent="0" lvl="0" marL="0" rtl="0" algn="l">
-              <a:spcBef>
-                <a:spcPts val="1200"/>
-              </a:spcBef>
-              <a:spcAft>
-                <a:spcPts val="1200"/>
-              </a:spcAft>
-              <a:buNone/>
-            </a:pPr>
-            <a:r>
-              <a:rPr lang="en"/>
-              <a:t>Ex of loading process: </a:t>
-            </a:r>
-            <a:r>
-              <a:rPr lang="en" sz="1200">
-                <a:solidFill>
-                  <a:srgbClr val="24292F"/>
-                </a:solidFill>
-                <a:highlight>
-                  <a:srgbClr val="FFFFFF"/>
-                </a:highlight>
-                <a:latin typeface="Arial"/>
-                <a:ea typeface="Arial"/>
-                <a:cs typeface="Arial"/>
-                <a:sym typeface="Arial"/>
-              </a:rPr>
-              <a:t>The last step was to transfer our final output into a Database. We created a database and respective table to match the columns from the final Panda's Data Frame using Postgres database using PG admin to store our original clean data sets. We reconnected to the database and generated additional tables for the data frames.</a:t>
-            </a:r>
-            <a:endParaRPr/>
-          </a:p>
-        </p:txBody>
-      </p:sp>
+      </p:pic>
+      <p:pic>
+        <p:nvPicPr>
+          <p:cNvPr id="149" name="Google Shape;149;p21"/>
+          <p:cNvPicPr preferRelativeResize="0"/>
+          <p:nvPr/>
+        </p:nvPicPr>
+        <p:blipFill rotWithShape="1">
+          <a:blip r:embed="rId4">
+            <a:alphaModFix/>
+          </a:blip>
+          <a:srcRect b="53247" l="17482" r="58000" t="23369"/>
+          <a:stretch/>
+        </p:blipFill>
+        <p:spPr>
+          <a:xfrm>
+            <a:off x="4013577" y="3484725"/>
+            <a:ext cx="2950925" cy="1524549"/>
+          </a:xfrm>
+          <a:prstGeom prst="rect">
+            <a:avLst/>
+          </a:prstGeom>
+          <a:noFill/>
+          <a:ln>
+            <a:noFill/>
+          </a:ln>
+        </p:spPr>
+      </p:pic>
+      <p:pic>
+        <p:nvPicPr>
+          <p:cNvPr id="150" name="Google Shape;150;p21"/>
+          <p:cNvPicPr preferRelativeResize="0"/>
+          <p:nvPr/>
+        </p:nvPicPr>
+        <p:blipFill rotWithShape="1">
+          <a:blip r:embed="rId3">
+            <a:alphaModFix/>
+          </a:blip>
+          <a:srcRect b="39231" l="17487" r="56608" t="27064"/>
+          <a:stretch/>
+        </p:blipFill>
+        <p:spPr>
+          <a:xfrm>
+            <a:off x="4013575" y="1345875"/>
+            <a:ext cx="2950930" cy="2079600"/>
+          </a:xfrm>
+          <a:prstGeom prst="rect">
+            <a:avLst/>
+          </a:prstGeom>
+          <a:noFill/>
+          <a:ln>
+            <a:noFill/>
+          </a:ln>
+        </p:spPr>
+      </p:pic>
+      <p:pic>
+        <p:nvPicPr>
+          <p:cNvPr id="151" name="Google Shape;151;p21"/>
+          <p:cNvPicPr preferRelativeResize="0"/>
+          <p:nvPr/>
+        </p:nvPicPr>
+        <p:blipFill>
+          <a:blip r:embed="rId5">
+            <a:alphaModFix/>
+          </a:blip>
+          <a:stretch>
+            <a:fillRect/>
+          </a:stretch>
+        </p:blipFill>
+        <p:spPr>
+          <a:xfrm>
+            <a:off x="7409800" y="1711574"/>
+            <a:ext cx="1566975" cy="1566950"/>
+          </a:xfrm>
+          <a:prstGeom prst="rect">
+            <a:avLst/>
+          </a:prstGeom>
+          <a:noFill/>
+          <a:ln>
+            <a:noFill/>
+          </a:ln>
+        </p:spPr>
+      </p:pic>
       <p:sp>
         <p:nvSpPr>
-          <p:cNvPr id="144" name="Google Shape;144;p20"/>
+          <p:cNvPr id="152" name="Google Shape;152;p21"/>
           <p:cNvSpPr txBox="1"/>
           <p:nvPr/>
         </p:nvSpPr>
         <p:spPr>
           <a:xfrm>
-            <a:off x="478025" y="4689050"/>
-            <a:ext cx="8520600" cy="338700"/>
+            <a:off x="325625" y="4536650"/>
+            <a:ext cx="3507900" cy="307800"/>
           </a:xfrm>
           <a:prstGeom prst="rect">
             <a:avLst/>
@@ -9987,114 +10291,14 @@
               <a:buNone/>
             </a:pPr>
             <a:r>
-              <a:rPr lang="en" sz="1000"/>
-              <a:t>Sources:</a:t>
+              <a:rPr lang="en" sz="800"/>
+              <a:t>Sources: (Photo) </a:t>
             </a:r>
-            <a:endParaRPr sz="1000"/>
-          </a:p>
-        </p:txBody>
-      </p:sp>
-    </p:spTree>
-  </p:cSld>
-  <p:clrMapOvr>
-    <a:masterClrMapping/>
-  </p:clrMapOvr>
-</p:sld>
-</file>
-
-<file path=ppt/slides/slide9.xml><?xml version="1.0" encoding="utf-8"?>
-<p:sld xmlns:a="http://schemas.openxmlformats.org/drawingml/2006/main" xmlns:r="http://schemas.openxmlformats.org/officeDocument/2006/relationships" xmlns:mc="http://schemas.openxmlformats.org/markup-compatibility/2006" xmlns:mv="urn:schemas-microsoft-com:mac:vml" xmlns:p="http://schemas.openxmlformats.org/presentationml/2006/main" xmlns:c="http://schemas.openxmlformats.org/drawingml/2006/chart" xmlns:dgm="http://schemas.openxmlformats.org/drawingml/2006/diagram" xmlns:o="urn:schemas-microsoft-com:office:office" xmlns:v="urn:schemas-microsoft-com:vml" xmlns:pvml="urn:schemas-microsoft-com:office:powerpoint" xmlns:com="http://schemas.openxmlformats.org/drawingml/2006/compatibility" xmlns:p14="http://schemas.microsoft.com/office/powerpoint/2010/main" xmlns:p15="http://schemas.microsoft.com/office/powerpoint/2012/main" xmlns:ahyp="http://schemas.microsoft.com/office/drawing/2018/hyperlinkcolor">
-  <p:cSld>
-    <p:spTree>
-      <p:nvGrpSpPr>
-        <p:cNvPr id="148" name="Shape 148"/>
-        <p:cNvGrpSpPr/>
-        <p:nvPr/>
-      </p:nvGrpSpPr>
-      <p:grpSpPr>
-        <a:xfrm>
-          <a:off x="0" y="0"/>
-          <a:ext cx="0" cy="0"/>
-          <a:chOff x="0" y="0"/>
-          <a:chExt cx="0" cy="0"/>
-        </a:xfrm>
-      </p:grpSpPr>
-      <p:sp>
-        <p:nvSpPr>
-          <p:cNvPr id="149" name="Google Shape;149;p21"/>
-          <p:cNvSpPr txBox="1"/>
-          <p:nvPr>
-            <p:ph type="title"/>
-          </p:nvPr>
-        </p:nvSpPr>
-        <p:spPr>
-          <a:xfrm>
-            <a:off x="729450" y="1318650"/>
-            <a:ext cx="7688700" cy="535200"/>
-          </a:xfrm>
-          <a:prstGeom prst="rect">
-            <a:avLst/>
-          </a:prstGeom>
-        </p:spPr>
-        <p:txBody>
-          <a:bodyPr anchorCtr="0" anchor="t" bIns="91425" lIns="91425" spcFirstLastPara="1" rIns="91425" wrap="square" tIns="91425">
-            <a:normAutofit fontScale="90000"/>
-          </a:bodyPr>
-          <a:lstStyle/>
-          <a:p>
-            <a:pPr indent="0" lvl="0" marL="0" rtl="0" algn="l">
-              <a:spcBef>
-                <a:spcPts val="0"/>
-              </a:spcBef>
-              <a:spcAft>
-                <a:spcPts val="0"/>
-              </a:spcAft>
-              <a:buNone/>
-            </a:pPr>
             <a:r>
-              <a:rPr lang="en"/>
-              <a:t>Summary</a:t>
+              <a:rPr lang="en" sz="800"/>
+              <a:t>https://cdn-icons-png.flaticon.com/512/25/25231.png</a:t>
             </a:r>
-            <a:endParaRPr/>
-          </a:p>
-        </p:txBody>
-      </p:sp>
-      <p:sp>
-        <p:nvSpPr>
-          <p:cNvPr id="150" name="Google Shape;150;p21"/>
-          <p:cNvSpPr txBox="1"/>
-          <p:nvPr>
-            <p:ph idx="1" type="body"/>
-          </p:nvPr>
-        </p:nvSpPr>
-        <p:spPr>
-          <a:xfrm>
-            <a:off x="729450" y="2078875"/>
-            <a:ext cx="7688700" cy="2261100"/>
-          </a:xfrm>
-          <a:prstGeom prst="rect">
-            <a:avLst/>
-          </a:prstGeom>
-        </p:spPr>
-        <p:txBody>
-          <a:bodyPr anchorCtr="0" anchor="t" bIns="91425" lIns="91425" spcFirstLastPara="1" rIns="91425" wrap="square" tIns="91425">
-            <a:normAutofit/>
-          </a:bodyPr>
-          <a:lstStyle/>
-          <a:p>
-            <a:pPr indent="0" lvl="0" marL="0" rtl="0" algn="l">
-              <a:spcBef>
-                <a:spcPts val="0"/>
-              </a:spcBef>
-              <a:spcAft>
-                <a:spcPts val="1200"/>
-              </a:spcAft>
-              <a:buNone/>
-            </a:pPr>
-            <a:r>
-              <a:t/>
-            </a:r>
-            <a:endParaRPr/>
+            <a:endParaRPr sz="800"/>
           </a:p>
         </p:txBody>
       </p:sp>
